--- a/assets/user guide.pptx
+++ b/assets/user guide.pptx
@@ -6,6 +6,7 @@
   </p:sldMasterIdLst>
   <p:sldIdLst>
     <p:sldId id="256" r:id="rId2"/>
+    <p:sldId id="257" r:id="rId3"/>
   </p:sldIdLst>
   <p:sldSz cx="12192000" cy="6858000"/>
   <p:notesSz cx="6858000" cy="9144000"/>
@@ -104,6 +105,11 @@
       </a:defRPr>
     </a:lvl9pPr>
   </p:defaultTextStyle>
+  <p:extLst>
+    <p:ext uri="{EFAFB233-063F-42B5-8137-9DF3F51BA10A}">
+      <p15:sldGuideLst xmlns:p15="http://schemas.microsoft.com/office/powerpoint/2012/main"/>
+    </p:ext>
+  </p:extLst>
 </p:presentation>
 </file>
 
@@ -3783,6 +3789,327 @@
 </p:sld>
 </file>
 
+<file path=ppt/slides/slide2.xml><?xml version="1.0" encoding="utf-8"?>
+<p:sld xmlns:a="http://schemas.openxmlformats.org/drawingml/2006/main" xmlns:r="http://schemas.openxmlformats.org/officeDocument/2006/relationships" xmlns:p="http://schemas.openxmlformats.org/presentationml/2006/main">
+  <p:cSld>
+    <p:spTree>
+      <p:nvGrpSpPr>
+        <p:cNvPr id="1" name=""/>
+        <p:cNvGrpSpPr/>
+        <p:nvPr/>
+      </p:nvGrpSpPr>
+      <p:grpSpPr>
+        <a:xfrm>
+          <a:off x="0" y="0"/>
+          <a:ext cx="0" cy="0"/>
+          <a:chOff x="0" y="0"/>
+          <a:chExt cx="0" cy="0"/>
+        </a:xfrm>
+      </p:grpSpPr>
+      <p:pic>
+        <p:nvPicPr>
+          <p:cNvPr id="3" name="圖片 2">
+            <a:extLst>
+              <a:ext uri="{FF2B5EF4-FFF2-40B4-BE49-F238E27FC236}">
+                <a16:creationId xmlns:a16="http://schemas.microsoft.com/office/drawing/2014/main" id="{D1B93728-EE27-2C97-E239-BBAABE665F06}"/>
+              </a:ext>
+            </a:extLst>
+          </p:cNvPr>
+          <p:cNvPicPr>
+            <a:picLocks noChangeAspect="1"/>
+          </p:cNvPicPr>
+          <p:nvPr/>
+        </p:nvPicPr>
+        <p:blipFill>
+          <a:blip r:embed="rId2"/>
+          <a:stretch>
+            <a:fillRect/>
+          </a:stretch>
+        </p:blipFill>
+        <p:spPr>
+          <a:xfrm>
+            <a:off x="972633" y="388993"/>
+            <a:ext cx="5472316" cy="2798344"/>
+          </a:xfrm>
+          <a:prstGeom prst="rect">
+            <a:avLst/>
+          </a:prstGeom>
+        </p:spPr>
+      </p:pic>
+      <p:pic>
+        <p:nvPicPr>
+          <p:cNvPr id="4" name="圖片 3">
+            <a:extLst>
+              <a:ext uri="{FF2B5EF4-FFF2-40B4-BE49-F238E27FC236}">
+                <a16:creationId xmlns:a16="http://schemas.microsoft.com/office/drawing/2014/main" id="{38E696F6-7475-EB2A-E114-B7A37D31FA8C}"/>
+              </a:ext>
+            </a:extLst>
+          </p:cNvPr>
+          <p:cNvPicPr>
+            <a:picLocks noChangeAspect="1"/>
+          </p:cNvPicPr>
+          <p:nvPr/>
+        </p:nvPicPr>
+        <p:blipFill>
+          <a:blip r:embed="rId3"/>
+          <a:stretch>
+            <a:fillRect/>
+          </a:stretch>
+        </p:blipFill>
+        <p:spPr>
+          <a:xfrm>
+            <a:off x="972634" y="3863350"/>
+            <a:ext cx="5472316" cy="1971393"/>
+          </a:xfrm>
+          <a:prstGeom prst="rect">
+            <a:avLst/>
+          </a:prstGeom>
+        </p:spPr>
+      </p:pic>
+      <p:sp>
+        <p:nvSpPr>
+          <p:cNvPr id="5" name="矩形 4">
+            <a:extLst>
+              <a:ext uri="{FF2B5EF4-FFF2-40B4-BE49-F238E27FC236}">
+                <a16:creationId xmlns:a16="http://schemas.microsoft.com/office/drawing/2014/main" id="{077A2B09-05B5-5ED5-9696-0D03FB45FA29}"/>
+              </a:ext>
+            </a:extLst>
+          </p:cNvPr>
+          <p:cNvSpPr/>
+          <p:nvPr/>
+        </p:nvSpPr>
+        <p:spPr>
+          <a:xfrm>
+            <a:off x="5029051" y="1863633"/>
+            <a:ext cx="1066950" cy="374469"/>
+          </a:xfrm>
+          <a:prstGeom prst="rect">
+            <a:avLst/>
+          </a:prstGeom>
+          <a:noFill/>
+          <a:ln w="28575">
+            <a:solidFill>
+              <a:srgbClr val="FF0000"/>
+            </a:solidFill>
+          </a:ln>
+        </p:spPr>
+        <p:style>
+          <a:lnRef idx="2">
+            <a:schemeClr val="accent1">
+              <a:shade val="15000"/>
+            </a:schemeClr>
+          </a:lnRef>
+          <a:fillRef idx="1">
+            <a:schemeClr val="accent1"/>
+          </a:fillRef>
+          <a:effectRef idx="0">
+            <a:schemeClr val="accent1"/>
+          </a:effectRef>
+          <a:fontRef idx="minor">
+            <a:schemeClr val="lt1"/>
+          </a:fontRef>
+        </p:style>
+        <p:txBody>
+          <a:bodyPr rtlCol="0" anchor="ctr"/>
+          <a:lstStyle/>
+          <a:p>
+            <a:pPr algn="ctr"/>
+            <a:endParaRPr lang="zh-TW" altLang="en-US"/>
+          </a:p>
+        </p:txBody>
+      </p:sp>
+      <p:sp>
+        <p:nvSpPr>
+          <p:cNvPr id="7" name="文字方塊 6">
+            <a:extLst>
+              <a:ext uri="{FF2B5EF4-FFF2-40B4-BE49-F238E27FC236}">
+                <a16:creationId xmlns:a16="http://schemas.microsoft.com/office/drawing/2014/main" id="{44E12C89-9CF4-620C-D4CA-97CA71565079}"/>
+              </a:ext>
+            </a:extLst>
+          </p:cNvPr>
+          <p:cNvSpPr txBox="1"/>
+          <p:nvPr/>
+        </p:nvSpPr>
+        <p:spPr>
+          <a:xfrm>
+            <a:off x="4948115" y="1503008"/>
+            <a:ext cx="1107996" cy="369332"/>
+          </a:xfrm>
+          <a:prstGeom prst="rect">
+            <a:avLst/>
+          </a:prstGeom>
+          <a:noFill/>
+        </p:spPr>
+        <p:txBody>
+          <a:bodyPr wrap="none" rtlCol="0">
+            <a:spAutoFit/>
+          </a:bodyPr>
+          <a:lstStyle/>
+          <a:p>
+            <a:r>
+              <a:rPr lang="zh-TW" altLang="en-US" b="1">
+                <a:solidFill>
+                  <a:srgbClr val="FF0000"/>
+                </a:solidFill>
+              </a:rPr>
+              <a:t>下載更新</a:t>
+            </a:r>
+          </a:p>
+        </p:txBody>
+      </p:sp>
+      <p:sp>
+        <p:nvSpPr>
+          <p:cNvPr id="12" name="箭號: 向下 11">
+            <a:extLst>
+              <a:ext uri="{FF2B5EF4-FFF2-40B4-BE49-F238E27FC236}">
+                <a16:creationId xmlns:a16="http://schemas.microsoft.com/office/drawing/2014/main" id="{E0B9DD08-DEFB-B397-7B43-18DC3A111509}"/>
+              </a:ext>
+            </a:extLst>
+          </p:cNvPr>
+          <p:cNvSpPr/>
+          <p:nvPr/>
+        </p:nvSpPr>
+        <p:spPr>
+          <a:xfrm>
+            <a:off x="2856411" y="3283680"/>
+            <a:ext cx="418012" cy="483327"/>
+          </a:xfrm>
+          <a:prstGeom prst="downArrow">
+            <a:avLst/>
+          </a:prstGeom>
+          <a:solidFill>
+            <a:srgbClr val="FF0000"/>
+          </a:solidFill>
+        </p:spPr>
+        <p:style>
+          <a:lnRef idx="2">
+            <a:schemeClr val="accent1">
+              <a:shade val="15000"/>
+            </a:schemeClr>
+          </a:lnRef>
+          <a:fillRef idx="1">
+            <a:schemeClr val="accent1"/>
+          </a:fillRef>
+          <a:effectRef idx="0">
+            <a:schemeClr val="accent1"/>
+          </a:effectRef>
+          <a:fontRef idx="minor">
+            <a:schemeClr val="lt1"/>
+          </a:fontRef>
+        </p:style>
+        <p:txBody>
+          <a:bodyPr rtlCol="0" anchor="ctr"/>
+          <a:lstStyle/>
+          <a:p>
+            <a:pPr algn="ctr"/>
+            <a:endParaRPr lang="zh-TW" altLang="en-US"/>
+          </a:p>
+        </p:txBody>
+      </p:sp>
+      <p:sp>
+        <p:nvSpPr>
+          <p:cNvPr id="13" name="矩形 12">
+            <a:extLst>
+              <a:ext uri="{FF2B5EF4-FFF2-40B4-BE49-F238E27FC236}">
+                <a16:creationId xmlns:a16="http://schemas.microsoft.com/office/drawing/2014/main" id="{66EFE7DC-9637-3D87-F07A-28BB66F253DA}"/>
+              </a:ext>
+            </a:extLst>
+          </p:cNvPr>
+          <p:cNvSpPr/>
+          <p:nvPr/>
+        </p:nvSpPr>
+        <p:spPr>
+          <a:xfrm>
+            <a:off x="2322936" y="5286101"/>
+            <a:ext cx="1482710" cy="200299"/>
+          </a:xfrm>
+          <a:prstGeom prst="rect">
+            <a:avLst/>
+          </a:prstGeom>
+          <a:noFill/>
+          <a:ln w="28575">
+            <a:solidFill>
+              <a:srgbClr val="FF0000"/>
+            </a:solidFill>
+          </a:ln>
+        </p:spPr>
+        <p:style>
+          <a:lnRef idx="2">
+            <a:schemeClr val="accent1">
+              <a:shade val="15000"/>
+            </a:schemeClr>
+          </a:lnRef>
+          <a:fillRef idx="1">
+            <a:schemeClr val="accent1"/>
+          </a:fillRef>
+          <a:effectRef idx="0">
+            <a:schemeClr val="accent1"/>
+          </a:effectRef>
+          <a:fontRef idx="minor">
+            <a:schemeClr val="lt1"/>
+          </a:fontRef>
+        </p:style>
+        <p:txBody>
+          <a:bodyPr rtlCol="0" anchor="ctr"/>
+          <a:lstStyle/>
+          <a:p>
+            <a:pPr algn="ctr"/>
+            <a:endParaRPr lang="zh-TW" altLang="en-US"/>
+          </a:p>
+        </p:txBody>
+      </p:sp>
+      <p:sp>
+        <p:nvSpPr>
+          <p:cNvPr id="14" name="文字方塊 13">
+            <a:extLst>
+              <a:ext uri="{FF2B5EF4-FFF2-40B4-BE49-F238E27FC236}">
+                <a16:creationId xmlns:a16="http://schemas.microsoft.com/office/drawing/2014/main" id="{5A439122-A7D7-7FBD-EB5A-0E2860A07378}"/>
+              </a:ext>
+            </a:extLst>
+          </p:cNvPr>
+          <p:cNvSpPr txBox="1"/>
+          <p:nvPr/>
+        </p:nvSpPr>
+        <p:spPr>
+          <a:xfrm>
+            <a:off x="3840119" y="5201584"/>
+            <a:ext cx="1107996" cy="369332"/>
+          </a:xfrm>
+          <a:prstGeom prst="rect">
+            <a:avLst/>
+          </a:prstGeom>
+          <a:noFill/>
+        </p:spPr>
+        <p:txBody>
+          <a:bodyPr wrap="none" rtlCol="0">
+            <a:spAutoFit/>
+          </a:bodyPr>
+          <a:lstStyle/>
+          <a:p>
+            <a:r>
+              <a:rPr lang="zh-TW" altLang="en-US" b="1">
+                <a:solidFill>
+                  <a:srgbClr val="FF0000"/>
+                </a:solidFill>
+              </a:rPr>
+              <a:t>點擊下載</a:t>
+            </a:r>
+          </a:p>
+        </p:txBody>
+      </p:sp>
+    </p:spTree>
+    <p:extLst>
+      <p:ext uri="{BB962C8B-B14F-4D97-AF65-F5344CB8AC3E}">
+        <p14:creationId xmlns:p14="http://schemas.microsoft.com/office/powerpoint/2010/main" val="331973728"/>
+      </p:ext>
+    </p:extLst>
+  </p:cSld>
+  <p:clrMapOvr>
+    <a:masterClrMapping/>
+  </p:clrMapOvr>
+</p:sld>
+</file>
+
 <file path=ppt/theme/theme1.xml><?xml version="1.0" encoding="utf-8"?>
 <a:theme xmlns:a="http://schemas.openxmlformats.org/drawingml/2006/main" name="Office 佈景主題">
   <a:themeElements>
